--- a/ps1/figures.pptx
+++ b/ps1/figures.pptx
@@ -245,7 +245,7 @@
           <a:p>
             <a:fld id="{63F02A81-5095-554F-95EC-867DC9721756}" type="datetimeFigureOut">
               <a:rPr lang="en-US" smtClean="0"/>
-              <a:t>9/15/18</a:t>
+              <a:t>9/16/18</a:t>
             </a:fld>
             <a:endParaRPr lang="en-US"/>
           </a:p>
@@ -415,7 +415,7 @@
           <a:p>
             <a:fld id="{63F02A81-5095-554F-95EC-867DC9721756}" type="datetimeFigureOut">
               <a:rPr lang="en-US" smtClean="0"/>
-              <a:t>9/15/18</a:t>
+              <a:t>9/16/18</a:t>
             </a:fld>
             <a:endParaRPr lang="en-US"/>
           </a:p>
@@ -595,7 +595,7 @@
           <a:p>
             <a:fld id="{63F02A81-5095-554F-95EC-867DC9721756}" type="datetimeFigureOut">
               <a:rPr lang="en-US" smtClean="0"/>
-              <a:t>9/15/18</a:t>
+              <a:t>9/16/18</a:t>
             </a:fld>
             <a:endParaRPr lang="en-US"/>
           </a:p>
@@ -765,7 +765,7 @@
           <a:p>
             <a:fld id="{63F02A81-5095-554F-95EC-867DC9721756}" type="datetimeFigureOut">
               <a:rPr lang="en-US" smtClean="0"/>
-              <a:t>9/15/18</a:t>
+              <a:t>9/16/18</a:t>
             </a:fld>
             <a:endParaRPr lang="en-US"/>
           </a:p>
@@ -1011,7 +1011,7 @@
           <a:p>
             <a:fld id="{63F02A81-5095-554F-95EC-867DC9721756}" type="datetimeFigureOut">
               <a:rPr lang="en-US" smtClean="0"/>
-              <a:t>9/15/18</a:t>
+              <a:t>9/16/18</a:t>
             </a:fld>
             <a:endParaRPr lang="en-US"/>
           </a:p>
@@ -1243,7 +1243,7 @@
           <a:p>
             <a:fld id="{63F02A81-5095-554F-95EC-867DC9721756}" type="datetimeFigureOut">
               <a:rPr lang="en-US" smtClean="0"/>
-              <a:t>9/15/18</a:t>
+              <a:t>9/16/18</a:t>
             </a:fld>
             <a:endParaRPr lang="en-US"/>
           </a:p>
@@ -1610,7 +1610,7 @@
           <a:p>
             <a:fld id="{63F02A81-5095-554F-95EC-867DC9721756}" type="datetimeFigureOut">
               <a:rPr lang="en-US" smtClean="0"/>
-              <a:t>9/15/18</a:t>
+              <a:t>9/16/18</a:t>
             </a:fld>
             <a:endParaRPr lang="en-US"/>
           </a:p>
@@ -1728,7 +1728,7 @@
           <a:p>
             <a:fld id="{63F02A81-5095-554F-95EC-867DC9721756}" type="datetimeFigureOut">
               <a:rPr lang="en-US" smtClean="0"/>
-              <a:t>9/15/18</a:t>
+              <a:t>9/16/18</a:t>
             </a:fld>
             <a:endParaRPr lang="en-US"/>
           </a:p>
@@ -1823,7 +1823,7 @@
           <a:p>
             <a:fld id="{63F02A81-5095-554F-95EC-867DC9721756}" type="datetimeFigureOut">
               <a:rPr lang="en-US" smtClean="0"/>
-              <a:t>9/15/18</a:t>
+              <a:t>9/16/18</a:t>
             </a:fld>
             <a:endParaRPr lang="en-US"/>
           </a:p>
@@ -2100,7 +2100,7 @@
           <a:p>
             <a:fld id="{63F02A81-5095-554F-95EC-867DC9721756}" type="datetimeFigureOut">
               <a:rPr lang="en-US" smtClean="0"/>
-              <a:t>9/15/18</a:t>
+              <a:t>9/16/18</a:t>
             </a:fld>
             <a:endParaRPr lang="en-US"/>
           </a:p>
@@ -2353,7 +2353,7 @@
           <a:p>
             <a:fld id="{63F02A81-5095-554F-95EC-867DC9721756}" type="datetimeFigureOut">
               <a:rPr lang="en-US" smtClean="0"/>
-              <a:t>9/15/18</a:t>
+              <a:t>9/16/18</a:t>
             </a:fld>
             <a:endParaRPr lang="en-US"/>
           </a:p>
@@ -2566,7 +2566,7 @@
           <a:p>
             <a:fld id="{63F02A81-5095-554F-95EC-867DC9721756}" type="datetimeFigureOut">
               <a:rPr lang="en-US" smtClean="0"/>
-              <a:t>9/15/18</a:t>
+              <a:t>9/16/18</a:t>
             </a:fld>
             <a:endParaRPr lang="en-US"/>
           </a:p>
@@ -3731,7 +3731,6 @@
                 <a:rPr lang="en-US" dirty="0"/>
                 <a:t>x</a:t>
               </a:r>
-              <a:endParaRPr lang="en-US" dirty="0"/>
             </a:p>
           </p:txBody>
         </p:sp>
@@ -3805,7 +3804,7 @@
       </p:grpSpPr>
       <p:grpSp>
         <p:nvGrpSpPr>
-          <p:cNvPr id="15" name="Group 14"/>
+          <p:cNvPr id="4" name="Group 3"/>
           <p:cNvGrpSpPr/>
           <p:nvPr/>
         </p:nvGrpSpPr>
@@ -3971,7 +3970,6 @@
                 <a:rPr lang="en-US" dirty="0"/>
                 <a:t>x</a:t>
               </a:r>
-              <a:endParaRPr lang="en-US" dirty="0"/>
             </a:p>
           </p:txBody>
         </p:sp>
@@ -4143,165 +4141,6 @@
             </a:p>
           </p:txBody>
         </p:sp>
-        <p:grpSp>
-          <p:nvGrpSpPr>
-            <p:cNvPr id="2" name="Group 1"/>
-            <p:cNvGrpSpPr/>
-            <p:nvPr/>
-          </p:nvGrpSpPr>
-          <p:grpSpPr>
-            <a:xfrm>
-              <a:off x="6067508" y="2488115"/>
-              <a:ext cx="18288" cy="225960"/>
-              <a:chOff x="6067508" y="2488115"/>
-              <a:chExt cx="18288" cy="225960"/>
-            </a:xfrm>
-          </p:grpSpPr>
-          <p:sp>
-            <p:nvSpPr>
-              <p:cNvPr id="28" name="Oval 27"/>
-              <p:cNvSpPr/>
-              <p:nvPr/>
-            </p:nvSpPr>
-            <p:spPr>
-              <a:xfrm>
-                <a:off x="6067508" y="2488115"/>
-                <a:ext cx="18288" cy="18288"/>
-              </a:xfrm>
-              <a:prstGeom prst="ellipse">
-                <a:avLst/>
-              </a:prstGeom>
-              <a:solidFill>
-                <a:schemeClr val="tx1"/>
-              </a:solidFill>
-              <a:ln w="25400">
-                <a:solidFill>
-                  <a:schemeClr val="tx1"/>
-                </a:solidFill>
-              </a:ln>
-            </p:spPr>
-            <p:style>
-              <a:lnRef idx="2">
-                <a:schemeClr val="accent1">
-                  <a:shade val="50000"/>
-                </a:schemeClr>
-              </a:lnRef>
-              <a:fillRef idx="1">
-                <a:schemeClr val="accent1"/>
-              </a:fillRef>
-              <a:effectRef idx="0">
-                <a:schemeClr val="accent1"/>
-              </a:effectRef>
-              <a:fontRef idx="minor">
-                <a:schemeClr val="lt1"/>
-              </a:fontRef>
-            </p:style>
-            <p:txBody>
-              <a:bodyPr rtlCol="0" anchor="ctr"/>
-              <a:lstStyle/>
-              <a:p>
-                <a:pPr algn="ctr"/>
-                <a:endParaRPr lang="en-US"/>
-              </a:p>
-            </p:txBody>
-          </p:sp>
-          <p:sp>
-            <p:nvSpPr>
-              <p:cNvPr id="29" name="Oval 28"/>
-              <p:cNvSpPr/>
-              <p:nvPr/>
-            </p:nvSpPr>
-            <p:spPr>
-              <a:xfrm>
-                <a:off x="6067508" y="2591951"/>
-                <a:ext cx="18288" cy="18288"/>
-              </a:xfrm>
-              <a:prstGeom prst="ellipse">
-                <a:avLst/>
-              </a:prstGeom>
-              <a:solidFill>
-                <a:schemeClr val="tx1"/>
-              </a:solidFill>
-              <a:ln w="25400">
-                <a:solidFill>
-                  <a:schemeClr val="tx1"/>
-                </a:solidFill>
-              </a:ln>
-            </p:spPr>
-            <p:style>
-              <a:lnRef idx="2">
-                <a:schemeClr val="accent1">
-                  <a:shade val="50000"/>
-                </a:schemeClr>
-              </a:lnRef>
-              <a:fillRef idx="1">
-                <a:schemeClr val="accent1"/>
-              </a:fillRef>
-              <a:effectRef idx="0">
-                <a:schemeClr val="accent1"/>
-              </a:effectRef>
-              <a:fontRef idx="minor">
-                <a:schemeClr val="lt1"/>
-              </a:fontRef>
-            </p:style>
-            <p:txBody>
-              <a:bodyPr rtlCol="0" anchor="ctr"/>
-              <a:lstStyle/>
-              <a:p>
-                <a:pPr algn="ctr"/>
-                <a:endParaRPr lang="en-US"/>
-              </a:p>
-            </p:txBody>
-          </p:sp>
-          <p:sp>
-            <p:nvSpPr>
-              <p:cNvPr id="31" name="Oval 30"/>
-              <p:cNvSpPr/>
-              <p:nvPr/>
-            </p:nvSpPr>
-            <p:spPr>
-              <a:xfrm>
-                <a:off x="6067508" y="2695787"/>
-                <a:ext cx="18288" cy="18288"/>
-              </a:xfrm>
-              <a:prstGeom prst="ellipse">
-                <a:avLst/>
-              </a:prstGeom>
-              <a:solidFill>
-                <a:schemeClr val="tx1"/>
-              </a:solidFill>
-              <a:ln w="25400">
-                <a:solidFill>
-                  <a:schemeClr val="tx1"/>
-                </a:solidFill>
-              </a:ln>
-            </p:spPr>
-            <p:style>
-              <a:lnRef idx="2">
-                <a:schemeClr val="accent1">
-                  <a:shade val="50000"/>
-                </a:schemeClr>
-              </a:lnRef>
-              <a:fillRef idx="1">
-                <a:schemeClr val="accent1"/>
-              </a:fillRef>
-              <a:effectRef idx="0">
-                <a:schemeClr val="accent1"/>
-              </a:effectRef>
-              <a:fontRef idx="minor">
-                <a:schemeClr val="lt1"/>
-              </a:fontRef>
-            </p:style>
-            <p:txBody>
-              <a:bodyPr rtlCol="0" anchor="ctr"/>
-              <a:lstStyle/>
-              <a:p>
-                <a:pPr algn="ctr"/>
-                <a:endParaRPr lang="en-US"/>
-              </a:p>
-            </p:txBody>
-          </p:sp>
-        </p:grpSp>
         <p:cxnSp>
           <p:nvCxnSpPr>
             <p:cNvPr id="32" name="Straight Arrow Connector 31"/>
@@ -4518,6 +4357,44 @@
                 <a:t>N</a:t>
               </a:r>
               <a:endParaRPr lang="en-US" dirty="0"/>
+            </a:p>
+          </p:txBody>
+        </p:sp>
+        <p:sp>
+          <p:nvSpPr>
+            <p:cNvPr id="3" name="TextBox 2"/>
+            <p:cNvSpPr txBox="1"/>
+            <p:nvPr/>
+          </p:nvSpPr>
+          <p:spPr>
+            <a:xfrm rot="5400000">
+              <a:off x="5899150" y="2308282"/>
+              <a:ext cx="595035" cy="584775"/>
+            </a:xfrm>
+            <a:prstGeom prst="rect">
+              <a:avLst/>
+            </a:prstGeom>
+            <a:noFill/>
+          </p:spPr>
+          <p:txBody>
+            <a:bodyPr wrap="none" rtlCol="0">
+              <a:spAutoFit/>
+            </a:bodyPr>
+            <a:lstStyle/>
+            <a:p>
+              <a:r>
+                <a:rPr lang="mr-IN" sz="3200" dirty="0" smtClean="0">
+                  <a:latin typeface="Times" charset="0"/>
+                  <a:ea typeface="Times" charset="0"/>
+                  <a:cs typeface="Times" charset="0"/>
+                </a:rPr>
+                <a:t>…</a:t>
+              </a:r>
+              <a:endParaRPr lang="en-US" sz="3200" dirty="0">
+                <a:latin typeface="Times" charset="0"/>
+                <a:ea typeface="Times" charset="0"/>
+                <a:cs typeface="Times" charset="0"/>
+              </a:endParaRPr>
             </a:p>
           </p:txBody>
         </p:sp>
